--- a/assets/img/CALL FOR/CALL FOR LIVE DEMO_v2.pptx
+++ b/assets/img/CALL FOR/CALL FOR LIVE DEMO_v2.pptx
@@ -246,10 +246,71 @@
       <p15:sldGuideLst xmlns:p15="http://schemas.microsoft.com/office/powerpoint/2012/main"/>
     </p:ext>
     <p:ext uri="GoogleSlidesCustomDataVersion2">
-      <go:slidesCustomData xmlns="" xmlns:mc="http://schemas.openxmlformats.org/markup-compatibility/2006" xmlns:mv="urn:schemas-microsoft-com:mac:vml" xmlns:c="http://schemas.openxmlformats.org/drawingml/2006/chart" xmlns:dgm="http://schemas.openxmlformats.org/drawingml/2006/diagram" xmlns:o="urn:schemas-microsoft-com:office:office" xmlns:v="urn:schemas-microsoft-com:vml" xmlns:pvml="urn:schemas-microsoft-com:office:powerpoint" xmlns:com="http://schemas.openxmlformats.org/drawingml/2006/compatibility" xmlns:p14="http://schemas.microsoft.com/office/powerpoint/2010/main" xmlns:p15="http://schemas.microsoft.com/office/powerpoint/2012/main" xmlns:ahyp="http://schemas.microsoft.com/office/drawing/2018/hyperlinkcolor" xmlns:go="http://customooxmlschemas.google.com/" r:id="rId6" roundtripDataSignature="AMtx7mj4WlFkAIiLEJOqhYdZMrg6F9XEuQ=="/>
+      <go:slidesCustomData xmlns:go="http://customooxmlschemas.google.com/" xmlns:ahyp="http://schemas.microsoft.com/office/drawing/2018/hyperlinkcolor" xmlns:p15="http://schemas.microsoft.com/office/powerpoint/2012/main" xmlns:p14="http://schemas.microsoft.com/office/powerpoint/2010/main" xmlns:com="http://schemas.openxmlformats.org/drawingml/2006/compatibility" xmlns:pvml="urn:schemas-microsoft-com:office:powerpoint" xmlns:v="urn:schemas-microsoft-com:vml" xmlns:o="urn:schemas-microsoft-com:office:office" xmlns:dgm="http://schemas.openxmlformats.org/drawingml/2006/diagram" xmlns:c="http://schemas.openxmlformats.org/drawingml/2006/chart" xmlns:mv="urn:schemas-microsoft-com:mac:vml" xmlns:mc="http://schemas.openxmlformats.org/markup-compatibility/2006" xmlns="" r:id="rId6" roundtripDataSignature="AMtx7mj4WlFkAIiLEJOqhYdZMrg6F9XEuQ=="/>
     </p:ext>
   </p:extLst>
 </p:presentation>
+</file>
+
+<file path=ppt/changesInfos/changesInfo1.xml><?xml version="1.0" encoding="utf-8"?>
+<pc:chgInfo xmlns:a="http://schemas.openxmlformats.org/drawingml/2006/main" xmlns:r="http://schemas.openxmlformats.org/officeDocument/2006/relationships" xmlns:ac="http://schemas.microsoft.com/office/drawing/2013/main/command" xmlns:pc="http://schemas.microsoft.com/office/powerpoint/2013/main/command">
+  <pc:docChgLst>
+    <pc:chgData name="脑 电" userId="0d0df1db47fbafff" providerId="LiveId" clId="{86A1A4CA-AFC8-5A90-81C4-8D934D1F8FF1}"/>
+    <pc:docChg chg="undo custSel modSld">
+      <pc:chgData name="脑 电" userId="0d0df1db47fbafff" providerId="LiveId" clId="{86A1A4CA-AFC8-5A90-81C4-8D934D1F8FF1}" dt="2025-10-28T06:48:40.188" v="38" actId="1076"/>
+      <pc:docMkLst>
+        <pc:docMk/>
+      </pc:docMkLst>
+      <pc:sldChg chg="addSp delSp modSp mod">
+        <pc:chgData name="脑 电" userId="0d0df1db47fbafff" providerId="LiveId" clId="{86A1A4CA-AFC8-5A90-81C4-8D934D1F8FF1}" dt="2025-10-28T06:48:40.188" v="38" actId="1076"/>
+        <pc:sldMkLst>
+          <pc:docMk/>
+          <pc:sldMk cId="0" sldId="256"/>
+        </pc:sldMkLst>
+        <pc:spChg chg="mod">
+          <ac:chgData name="脑 电" userId="0d0df1db47fbafff" providerId="LiveId" clId="{86A1A4CA-AFC8-5A90-81C4-8D934D1F8FF1}" dt="2025-10-28T06:48:07.774" v="34" actId="167"/>
+          <ac:spMkLst>
+            <pc:docMk/>
+            <pc:sldMk cId="0" sldId="256"/>
+            <ac:spMk id="103" creationId="{00000000-0000-0000-0000-000000000000}"/>
+          </ac:spMkLst>
+        </pc:spChg>
+        <pc:picChg chg="add mod">
+          <ac:chgData name="脑 电" userId="0d0df1db47fbafff" providerId="LiveId" clId="{86A1A4CA-AFC8-5A90-81C4-8D934D1F8FF1}" dt="2025-10-28T06:46:10.398" v="11" actId="14100"/>
+          <ac:picMkLst>
+            <pc:docMk/>
+            <pc:sldMk cId="0" sldId="256"/>
+            <ac:picMk id="6" creationId="{4F1668F7-7B88-2EA0-3827-E06ED5688957}"/>
+          </ac:picMkLst>
+        </pc:picChg>
+        <pc:picChg chg="add del mod">
+          <ac:chgData name="脑 电" userId="0d0df1db47fbafff" providerId="LiveId" clId="{86A1A4CA-AFC8-5A90-81C4-8D934D1F8FF1}" dt="2025-10-28T06:48:40.188" v="38" actId="1076"/>
+          <ac:picMkLst>
+            <pc:docMk/>
+            <pc:sldMk cId="0" sldId="256"/>
+            <ac:picMk id="8" creationId="{8AF4C430-1043-F0BE-FA7F-62BA8888FF11}"/>
+          </ac:picMkLst>
+        </pc:picChg>
+        <pc:picChg chg="mod">
+          <ac:chgData name="脑 电" userId="0d0df1db47fbafff" providerId="LiveId" clId="{86A1A4CA-AFC8-5A90-81C4-8D934D1F8FF1}" dt="2025-10-28T06:45:33.933" v="5" actId="1076"/>
+          <ac:picMkLst>
+            <pc:docMk/>
+            <pc:sldMk cId="0" sldId="256"/>
+            <ac:picMk id="104" creationId="{00000000-0000-0000-0000-000000000000}"/>
+          </ac:picMkLst>
+        </pc:picChg>
+        <pc:picChg chg="add del">
+          <ac:chgData name="脑 电" userId="0d0df1db47fbafff" providerId="LiveId" clId="{86A1A4CA-AFC8-5A90-81C4-8D934D1F8FF1}" dt="2025-10-28T06:48:34.761" v="37" actId="478"/>
+          <ac:picMkLst>
+            <pc:docMk/>
+            <pc:sldMk cId="0" sldId="256"/>
+            <ac:picMk id="105" creationId="{00000000-0000-0000-0000-000000000000}"/>
+          </ac:picMkLst>
+        </pc:picChg>
+      </pc:sldChg>
+    </pc:docChg>
+  </pc:docChgLst>
+</pc:chgInfo>
 </file>
 
 <file path=ppt/notesMasters/notesMaster1.xml><?xml version="1.0" encoding="utf-8"?>
@@ -12486,35 +12547,8 @@
         </p:blipFill>
         <p:spPr>
           <a:xfrm>
-            <a:off x="3576872" y="54732"/>
+            <a:off x="3576872" y="59255"/>
             <a:ext cx="1003548" cy="766811"/>
-          </a:xfrm>
-          <a:prstGeom prst="rect">
-            <a:avLst/>
-          </a:prstGeom>
-          <a:noFill/>
-          <a:ln>
-            <a:noFill/>
-          </a:ln>
-        </p:spPr>
-      </p:pic>
-      <p:pic>
-        <p:nvPicPr>
-          <p:cNvPr id="105" name="Google Shape;105;p1"/>
-          <p:cNvPicPr preferRelativeResize="0"/>
-          <p:nvPr/>
-        </p:nvPicPr>
-        <p:blipFill rotWithShape="1">
-          <a:blip r:embed="rId10">
-            <a:alphaModFix/>
-          </a:blip>
-          <a:srcRect l="62821" t="1" r="28393" b="82102"/>
-          <a:stretch/>
-        </p:blipFill>
-        <p:spPr>
-          <a:xfrm>
-            <a:off x="4593751" y="56253"/>
-            <a:ext cx="664242" cy="779097"/>
           </a:xfrm>
           <a:prstGeom prst="rect">
             <a:avLst/>
@@ -13148,6 +13182,36 @@
           </a:fontRef>
         </p:style>
       </p:cxnSp>
+      <p:pic>
+        <p:nvPicPr>
+          <p:cNvPr id="8" name="图片 7">
+            <a:extLst>
+              <a:ext uri="{FF2B5EF4-FFF2-40B4-BE49-F238E27FC236}">
+                <a16:creationId xmlns:a16="http://schemas.microsoft.com/office/drawing/2014/main" id="{8AF4C430-1043-F0BE-FA7F-62BA8888FF11}"/>
+              </a:ext>
+            </a:extLst>
+          </p:cNvPr>
+          <p:cNvPicPr>
+            <a:picLocks noChangeAspect="1"/>
+          </p:cNvPicPr>
+          <p:nvPr/>
+        </p:nvPicPr>
+        <p:blipFill>
+          <a:blip r:embed="rId10"/>
+          <a:stretch>
+            <a:fillRect/>
+          </a:stretch>
+        </p:blipFill>
+        <p:spPr>
+          <a:xfrm>
+            <a:off x="4662930" y="158784"/>
+            <a:ext cx="608394" cy="660107"/>
+          </a:xfrm>
+          <a:prstGeom prst="rect">
+            <a:avLst/>
+          </a:prstGeom>
+        </p:spPr>
+      </p:pic>
       <p:sp>
         <p:nvSpPr>
           <p:cNvPr id="5" name="TextBox 4">
@@ -13244,6 +13308,36 @@
           </a:p>
         </p:txBody>
       </p:sp>
+      <p:pic>
+        <p:nvPicPr>
+          <p:cNvPr id="6" name="图片 5">
+            <a:extLst>
+              <a:ext uri="{FF2B5EF4-FFF2-40B4-BE49-F238E27FC236}">
+                <a16:creationId xmlns:a16="http://schemas.microsoft.com/office/drawing/2014/main" id="{4F1668F7-7B88-2EA0-3827-E06ED5688957}"/>
+              </a:ext>
+            </a:extLst>
+          </p:cNvPr>
+          <p:cNvPicPr>
+            <a:picLocks/>
+          </p:cNvPicPr>
+          <p:nvPr/>
+        </p:nvPicPr>
+        <p:blipFill>
+          <a:blip r:embed="rId11"/>
+          <a:stretch>
+            <a:fillRect/>
+          </a:stretch>
+        </p:blipFill>
+        <p:spPr>
+          <a:xfrm>
+            <a:off x="3646829" y="32977"/>
+            <a:ext cx="852830" cy="800565"/>
+          </a:xfrm>
+          <a:prstGeom prst="rect">
+            <a:avLst/>
+          </a:prstGeom>
+        </p:spPr>
+      </p:pic>
     </p:spTree>
   </p:cSld>
   <p:clrMapOvr>
